--- a/assets/creater.pptx
+++ b/assets/creater.pptx
@@ -113,7 +113,7 @@
   <p:extLst>
     <p:ext uri="{EFAFB233-063F-42B5-8137-9DF3F51BA10A}">
       <p15:sldGuideLst xmlns:p15="http://schemas.microsoft.com/office/powerpoint/2012/main">
-        <p15:guide id="1" orient="horz" pos="1729" userDrawn="1">
+        <p15:guide id="1" orient="horz" pos="1933" userDrawn="1">
           <p15:clr>
             <a:srgbClr val="A4A3A4"/>
           </p15:clr>
@@ -128,7 +128,7 @@
             <a:srgbClr val="A4A3A4"/>
           </p15:clr>
         </p15:guide>
-        <p15:guide id="4" orient="horz" pos="164" userDrawn="1">
+        <p15:guide id="4" orient="horz" pos="96" userDrawn="1">
           <p15:clr>
             <a:srgbClr val="A4A3A4"/>
           </p15:clr>
@@ -241,7 +241,7 @@
           <a:p>
             <a:fld id="{8BDE7099-1619-4275-AE19-722560CA1D3E}" type="datetimeFigureOut">
               <a:rPr lang="zh-CN" altLang="en-US" smtClean="0"/>
-              <a:t>2020/9/4</a:t>
+              <a:t>2020/9/5</a:t>
             </a:fld>
             <a:endParaRPr lang="zh-CN" altLang="en-US"/>
           </a:p>
@@ -846,7 +846,7 @@
           <a:p>
             <a:fld id="{1CDFFD61-922F-422C-AA43-02FBA9614CA6}" type="datetimeFigureOut">
               <a:rPr lang="zh-CN" altLang="en-US" smtClean="0"/>
-              <a:t>2020/9/4</a:t>
+              <a:t>2020/9/5</a:t>
             </a:fld>
             <a:endParaRPr lang="zh-CN" altLang="en-US"/>
           </a:p>
@@ -1016,7 +1016,7 @@
           <a:p>
             <a:fld id="{1CDFFD61-922F-422C-AA43-02FBA9614CA6}" type="datetimeFigureOut">
               <a:rPr lang="zh-CN" altLang="en-US" smtClean="0"/>
-              <a:t>2020/9/4</a:t>
+              <a:t>2020/9/5</a:t>
             </a:fld>
             <a:endParaRPr lang="zh-CN" altLang="en-US"/>
           </a:p>
@@ -1196,7 +1196,7 @@
           <a:p>
             <a:fld id="{1CDFFD61-922F-422C-AA43-02FBA9614CA6}" type="datetimeFigureOut">
               <a:rPr lang="zh-CN" altLang="en-US" smtClean="0"/>
-              <a:t>2020/9/4</a:t>
+              <a:t>2020/9/5</a:t>
             </a:fld>
             <a:endParaRPr lang="zh-CN" altLang="en-US"/>
           </a:p>
@@ -1366,7 +1366,7 @@
           <a:p>
             <a:fld id="{1CDFFD61-922F-422C-AA43-02FBA9614CA6}" type="datetimeFigureOut">
               <a:rPr lang="zh-CN" altLang="en-US" smtClean="0"/>
-              <a:t>2020/9/4</a:t>
+              <a:t>2020/9/5</a:t>
             </a:fld>
             <a:endParaRPr lang="zh-CN" altLang="en-US"/>
           </a:p>
@@ -1612,7 +1612,7 @@
           <a:p>
             <a:fld id="{1CDFFD61-922F-422C-AA43-02FBA9614CA6}" type="datetimeFigureOut">
               <a:rPr lang="zh-CN" altLang="en-US" smtClean="0"/>
-              <a:t>2020/9/4</a:t>
+              <a:t>2020/9/5</a:t>
             </a:fld>
             <a:endParaRPr lang="zh-CN" altLang="en-US"/>
           </a:p>
@@ -1844,7 +1844,7 @@
           <a:p>
             <a:fld id="{1CDFFD61-922F-422C-AA43-02FBA9614CA6}" type="datetimeFigureOut">
               <a:rPr lang="zh-CN" altLang="en-US" smtClean="0"/>
-              <a:t>2020/9/4</a:t>
+              <a:t>2020/9/5</a:t>
             </a:fld>
             <a:endParaRPr lang="zh-CN" altLang="en-US"/>
           </a:p>
@@ -2211,7 +2211,7 @@
           <a:p>
             <a:fld id="{1CDFFD61-922F-422C-AA43-02FBA9614CA6}" type="datetimeFigureOut">
               <a:rPr lang="zh-CN" altLang="en-US" smtClean="0"/>
-              <a:t>2020/9/4</a:t>
+              <a:t>2020/9/5</a:t>
             </a:fld>
             <a:endParaRPr lang="zh-CN" altLang="en-US"/>
           </a:p>
@@ -2329,7 +2329,7 @@
           <a:p>
             <a:fld id="{1CDFFD61-922F-422C-AA43-02FBA9614CA6}" type="datetimeFigureOut">
               <a:rPr lang="zh-CN" altLang="en-US" smtClean="0"/>
-              <a:t>2020/9/4</a:t>
+              <a:t>2020/9/5</a:t>
             </a:fld>
             <a:endParaRPr lang="zh-CN" altLang="en-US"/>
           </a:p>
@@ -2424,7 +2424,7 @@
           <a:p>
             <a:fld id="{1CDFFD61-922F-422C-AA43-02FBA9614CA6}" type="datetimeFigureOut">
               <a:rPr lang="zh-CN" altLang="en-US" smtClean="0"/>
-              <a:t>2020/9/4</a:t>
+              <a:t>2020/9/5</a:t>
             </a:fld>
             <a:endParaRPr lang="zh-CN" altLang="en-US"/>
           </a:p>
@@ -2701,7 +2701,7 @@
           <a:p>
             <a:fld id="{1CDFFD61-922F-422C-AA43-02FBA9614CA6}" type="datetimeFigureOut">
               <a:rPr lang="zh-CN" altLang="en-US" smtClean="0"/>
-              <a:t>2020/9/4</a:t>
+              <a:t>2020/9/5</a:t>
             </a:fld>
             <a:endParaRPr lang="zh-CN" altLang="en-US"/>
           </a:p>
@@ -2954,7 +2954,7 @@
           <a:p>
             <a:fld id="{1CDFFD61-922F-422C-AA43-02FBA9614CA6}" type="datetimeFigureOut">
               <a:rPr lang="zh-CN" altLang="en-US" smtClean="0"/>
-              <a:t>2020/9/4</a:t>
+              <a:t>2020/9/5</a:t>
             </a:fld>
             <a:endParaRPr lang="zh-CN" altLang="en-US"/>
           </a:p>
@@ -3167,7 +3167,7 @@
           <a:p>
             <a:fld id="{1CDFFD61-922F-422C-AA43-02FBA9614CA6}" type="datetimeFigureOut">
               <a:rPr lang="zh-CN" altLang="en-US" smtClean="0"/>
-              <a:t>2020/9/4</a:t>
+              <a:t>2020/9/5</a:t>
             </a:fld>
             <a:endParaRPr lang="zh-CN" altLang="en-US"/>
           </a:p>
@@ -4149,6 +4149,102 @@
           <a:chExt cx="0" cy="0"/>
         </a:xfrm>
       </p:grpSpPr>
+      <p:pic>
+        <p:nvPicPr>
+          <p:cNvPr id="3" name="图片 2"/>
+          <p:cNvPicPr>
+            <a:picLocks noChangeAspect="1"/>
+          </p:cNvPicPr>
+          <p:nvPr/>
+        </p:nvPicPr>
+        <p:blipFill>
+          <a:blip r:embed="rId3"/>
+          <a:stretch>
+            <a:fillRect/>
+          </a:stretch>
+        </p:blipFill>
+        <p:spPr>
+          <a:xfrm>
+            <a:off x="4577347" y="-15165"/>
+            <a:ext cx="4046889" cy="3321141"/>
+          </a:xfrm>
+          <a:prstGeom prst="rect">
+            <a:avLst/>
+          </a:prstGeom>
+        </p:spPr>
+      </p:pic>
+      <p:pic>
+        <p:nvPicPr>
+          <p:cNvPr id="4" name="图片 3"/>
+          <p:cNvPicPr>
+            <a:picLocks noChangeAspect="1"/>
+          </p:cNvPicPr>
+          <p:nvPr/>
+        </p:nvPicPr>
+        <p:blipFill>
+          <a:blip r:embed="rId4"/>
+          <a:stretch>
+            <a:fillRect/>
+          </a:stretch>
+        </p:blipFill>
+        <p:spPr>
+          <a:xfrm>
+            <a:off x="227013" y="0"/>
+            <a:ext cx="3955983" cy="3234190"/>
+          </a:xfrm>
+          <a:prstGeom prst="rect">
+            <a:avLst/>
+          </a:prstGeom>
+        </p:spPr>
+      </p:pic>
+      <p:pic>
+        <p:nvPicPr>
+          <p:cNvPr id="7" name="图片 6"/>
+          <p:cNvPicPr>
+            <a:picLocks noChangeAspect="1"/>
+          </p:cNvPicPr>
+          <p:nvPr/>
+        </p:nvPicPr>
+        <p:blipFill>
+          <a:blip r:embed="rId5"/>
+          <a:stretch>
+            <a:fillRect/>
+          </a:stretch>
+        </p:blipFill>
+        <p:spPr>
+          <a:xfrm>
+            <a:off x="241988" y="3470998"/>
+            <a:ext cx="4248734" cy="3159773"/>
+          </a:xfrm>
+          <a:prstGeom prst="rect">
+            <a:avLst/>
+          </a:prstGeom>
+        </p:spPr>
+      </p:pic>
+      <p:pic>
+        <p:nvPicPr>
+          <p:cNvPr id="8" name="图片 7"/>
+          <p:cNvPicPr>
+            <a:picLocks noChangeAspect="1"/>
+          </p:cNvPicPr>
+          <p:nvPr/>
+        </p:nvPicPr>
+        <p:blipFill>
+          <a:blip r:embed="rId6"/>
+          <a:stretch>
+            <a:fillRect/>
+          </a:stretch>
+        </p:blipFill>
+        <p:spPr>
+          <a:xfrm>
+            <a:off x="4716030" y="3384371"/>
+            <a:ext cx="4331719" cy="3304673"/>
+          </a:xfrm>
+          <a:prstGeom prst="rect">
+            <a:avLst/>
+          </a:prstGeom>
+        </p:spPr>
+      </p:pic>
     </p:spTree>
     <p:extLst>
       <p:ext uri="{BB962C8B-B14F-4D97-AF65-F5344CB8AC3E}">
